--- a/BeatSlime design repo/비트슬라임 제안서 김민규, 남주영, 어수혁-2.pptx
+++ b/BeatSlime design repo/비트슬라임 제안서 김민규, 남주영, 어수혁-2.pptx
@@ -281,7 +281,7 @@
           <a:p>
             <a:fld id="{47D96AAF-40E3-4D6C-821E-65A0F5616319}" type="datetimeFigureOut">
               <a:rPr lang="ko-KR" altLang="en-US" smtClean="0"/>
-              <a:t>2021-12-20</a:t>
+              <a:t>2021-12-22</a:t>
             </a:fld>
             <a:endParaRPr lang="ko-KR" altLang="en-US"/>
           </a:p>
@@ -479,7 +479,7 @@
           <a:p>
             <a:fld id="{47D96AAF-40E3-4D6C-821E-65A0F5616319}" type="datetimeFigureOut">
               <a:rPr lang="ko-KR" altLang="en-US" smtClean="0"/>
-              <a:t>2021-12-20</a:t>
+              <a:t>2021-12-22</a:t>
             </a:fld>
             <a:endParaRPr lang="ko-KR" altLang="en-US"/>
           </a:p>
@@ -687,7 +687,7 @@
           <a:p>
             <a:fld id="{47D96AAF-40E3-4D6C-821E-65A0F5616319}" type="datetimeFigureOut">
               <a:rPr lang="ko-KR" altLang="en-US" smtClean="0"/>
-              <a:t>2021-12-20</a:t>
+              <a:t>2021-12-22</a:t>
             </a:fld>
             <a:endParaRPr lang="ko-KR" altLang="en-US"/>
           </a:p>
@@ -885,7 +885,7 @@
           <a:p>
             <a:fld id="{47D96AAF-40E3-4D6C-821E-65A0F5616319}" type="datetimeFigureOut">
               <a:rPr lang="ko-KR" altLang="en-US" smtClean="0"/>
-              <a:t>2021-12-20</a:t>
+              <a:t>2021-12-22</a:t>
             </a:fld>
             <a:endParaRPr lang="ko-KR" altLang="en-US"/>
           </a:p>
@@ -1160,7 +1160,7 @@
           <a:p>
             <a:fld id="{47D96AAF-40E3-4D6C-821E-65A0F5616319}" type="datetimeFigureOut">
               <a:rPr lang="ko-KR" altLang="en-US" smtClean="0"/>
-              <a:t>2021-12-20</a:t>
+              <a:t>2021-12-22</a:t>
             </a:fld>
             <a:endParaRPr lang="ko-KR" altLang="en-US"/>
           </a:p>
@@ -1425,7 +1425,7 @@
           <a:p>
             <a:fld id="{47D96AAF-40E3-4D6C-821E-65A0F5616319}" type="datetimeFigureOut">
               <a:rPr lang="ko-KR" altLang="en-US" smtClean="0"/>
-              <a:t>2021-12-20</a:t>
+              <a:t>2021-12-22</a:t>
             </a:fld>
             <a:endParaRPr lang="ko-KR" altLang="en-US"/>
           </a:p>
@@ -1837,7 +1837,7 @@
           <a:p>
             <a:fld id="{47D96AAF-40E3-4D6C-821E-65A0F5616319}" type="datetimeFigureOut">
               <a:rPr lang="ko-KR" altLang="en-US" smtClean="0"/>
-              <a:t>2021-12-20</a:t>
+              <a:t>2021-12-22</a:t>
             </a:fld>
             <a:endParaRPr lang="ko-KR" altLang="en-US"/>
           </a:p>
@@ -1978,7 +1978,7 @@
           <a:p>
             <a:fld id="{47D96AAF-40E3-4D6C-821E-65A0F5616319}" type="datetimeFigureOut">
               <a:rPr lang="ko-KR" altLang="en-US" smtClean="0"/>
-              <a:t>2021-12-20</a:t>
+              <a:t>2021-12-22</a:t>
             </a:fld>
             <a:endParaRPr lang="ko-KR" altLang="en-US"/>
           </a:p>
@@ -2091,7 +2091,7 @@
           <a:p>
             <a:fld id="{47D96AAF-40E3-4D6C-821E-65A0F5616319}" type="datetimeFigureOut">
               <a:rPr lang="ko-KR" altLang="en-US" smtClean="0"/>
-              <a:t>2021-12-20</a:t>
+              <a:t>2021-12-22</a:t>
             </a:fld>
             <a:endParaRPr lang="ko-KR" altLang="en-US"/>
           </a:p>
@@ -2402,7 +2402,7 @@
           <a:p>
             <a:fld id="{47D96AAF-40E3-4D6C-821E-65A0F5616319}" type="datetimeFigureOut">
               <a:rPr lang="ko-KR" altLang="en-US" smtClean="0"/>
-              <a:t>2021-12-20</a:t>
+              <a:t>2021-12-22</a:t>
             </a:fld>
             <a:endParaRPr lang="ko-KR" altLang="en-US"/>
           </a:p>
@@ -2690,7 +2690,7 @@
           <a:p>
             <a:fld id="{47D96AAF-40E3-4D6C-821E-65A0F5616319}" type="datetimeFigureOut">
               <a:rPr lang="ko-KR" altLang="en-US" smtClean="0"/>
-              <a:t>2021-12-20</a:t>
+              <a:t>2021-12-22</a:t>
             </a:fld>
             <a:endParaRPr lang="ko-KR" altLang="en-US"/>
           </a:p>
@@ -2931,7 +2931,7 @@
           <a:p>
             <a:fld id="{47D96AAF-40E3-4D6C-821E-65A0F5616319}" type="datetimeFigureOut">
               <a:rPr lang="ko-KR" altLang="en-US" smtClean="0"/>
-              <a:t>2021-12-20</a:t>
+              <a:t>2021-12-22</a:t>
             </a:fld>
             <a:endParaRPr lang="ko-KR" altLang="en-US"/>
           </a:p>
@@ -7857,7 +7857,7 @@
           <p:nvPr>
             <p:extLst>
               <p:ext uri="{D42A27DB-BD31-4B8C-83A1-F6EECF244321}">
-                <p14:modId xmlns:p14="http://schemas.microsoft.com/office/powerpoint/2010/main" val="779462944"/>
+                <p14:modId xmlns:p14="http://schemas.microsoft.com/office/powerpoint/2010/main" val="2393231393"/>
               </p:ext>
             </p:extLst>
           </p:nvPr>
@@ -7922,7 +7922,42 @@
                         </a:rPr>
                         <a:t>김민규</a:t>
                       </a:r>
-                      <a:endParaRPr dirty="0">
+                      <a:endParaRPr lang="en-US" altLang="ko-KR" sz="2400" b="1" dirty="0">
+                        <a:solidFill>
+                          <a:schemeClr val="dk1"/>
+                        </a:solidFill>
+                        <a:latin typeface="Malgun Gothic"/>
+                        <a:ea typeface="Malgun Gothic"/>
+                        <a:cs typeface="Malgun Gothic"/>
+                        <a:sym typeface="Malgun Gothic"/>
+                      </a:endParaRPr>
+                    </a:p>
+                    <a:p>
+                      <a:pPr marL="0" lvl="0" indent="0" algn="ctr" rtl="0">
+                        <a:spcBef>
+                          <a:spcPts val="0"/>
+                        </a:spcBef>
+                        <a:spcAft>
+                          <a:spcPts val="0"/>
+                        </a:spcAft>
+                        <a:buNone/>
+                      </a:pPr>
+                      <a:r>
+                        <a:rPr lang="ko-KR" altLang="en-US" sz="1800" b="1" dirty="0">
+                          <a:solidFill>
+                            <a:srgbClr val="FF0000"/>
+                          </a:solidFill>
+                          <a:latin typeface="Malgun Gothic"/>
+                          <a:ea typeface="Malgun Gothic"/>
+                          <a:cs typeface="Malgun Gothic"/>
+                          <a:sym typeface="Malgun Gothic"/>
+                        </a:rPr>
+                        <a:t>그래픽</a:t>
+                      </a:r>
+                      <a:endParaRPr sz="1800" dirty="0">
+                        <a:solidFill>
+                          <a:srgbClr val="FF0000"/>
+                        </a:solidFill>
                         <a:latin typeface="Malgun Gothic"/>
                         <a:ea typeface="Malgun Gothic"/>
                         <a:cs typeface="Malgun Gothic"/>
@@ -7955,7 +7990,39 @@
                         </a:rPr>
                         <a:t>남주영</a:t>
                       </a:r>
-                      <a:endParaRPr sz="2400" b="1" dirty="0">
+                      <a:endParaRPr lang="en-US" altLang="ko-KR" sz="2400" b="1" dirty="0">
+                        <a:latin typeface="Malgun Gothic"/>
+                        <a:ea typeface="Malgun Gothic"/>
+                        <a:cs typeface="Malgun Gothic"/>
+                        <a:sym typeface="Malgun Gothic"/>
+                      </a:endParaRPr>
+                    </a:p>
+                    <a:p>
+                      <a:pPr marL="0" lvl="0" indent="0" algn="ctr" rtl="0">
+                        <a:spcBef>
+                          <a:spcPts val="0"/>
+                        </a:spcBef>
+                        <a:spcAft>
+                          <a:spcPts val="0"/>
+                        </a:spcAft>
+                        <a:buNone/>
+                      </a:pPr>
+                      <a:r>
+                        <a:rPr lang="ko-KR" altLang="en-US" sz="1800" b="1" dirty="0">
+                          <a:solidFill>
+                            <a:srgbClr val="FF0000"/>
+                          </a:solidFill>
+                          <a:latin typeface="Malgun Gothic"/>
+                          <a:ea typeface="Malgun Gothic"/>
+                          <a:cs typeface="Malgun Gothic"/>
+                          <a:sym typeface="Malgun Gothic"/>
+                        </a:rPr>
+                        <a:t>서버</a:t>
+                      </a:r>
+                      <a:endParaRPr sz="1800" b="1" dirty="0">
+                        <a:solidFill>
+                          <a:srgbClr val="FF0000"/>
+                        </a:solidFill>
                         <a:latin typeface="Malgun Gothic"/>
                         <a:ea typeface="Malgun Gothic"/>
                         <a:cs typeface="Malgun Gothic"/>
@@ -7980,7 +8047,7 @@
                         <a:buNone/>
                       </a:pPr>
                       <a:r>
-                        <a:rPr lang="ko-KR" altLang="en-US" sz="2400" b="1" dirty="0" err="1">
+                        <a:rPr lang="ko-KR" altLang="en-US" sz="2400" b="1" dirty="0">
                           <a:latin typeface="Malgun Gothic"/>
                           <a:ea typeface="Malgun Gothic"/>
                           <a:cs typeface="Malgun Gothic"/>
@@ -7988,7 +8055,39 @@
                         </a:rPr>
                         <a:t>어수혁</a:t>
                       </a:r>
-                      <a:endParaRPr sz="2400" b="1" dirty="0">
+                      <a:endParaRPr lang="en-US" altLang="ko-KR" sz="2400" b="1" dirty="0">
+                        <a:latin typeface="Malgun Gothic"/>
+                        <a:ea typeface="Malgun Gothic"/>
+                        <a:cs typeface="Malgun Gothic"/>
+                        <a:sym typeface="Malgun Gothic"/>
+                      </a:endParaRPr>
+                    </a:p>
+                    <a:p>
+                      <a:pPr marL="0" lvl="0" indent="0" algn="ctr" rtl="0">
+                        <a:spcBef>
+                          <a:spcPts val="0"/>
+                        </a:spcBef>
+                        <a:spcAft>
+                          <a:spcPts val="0"/>
+                        </a:spcAft>
+                        <a:buNone/>
+                      </a:pPr>
+                      <a:r>
+                        <a:rPr lang="ko-KR" altLang="en-US" sz="1800" b="1" dirty="0">
+                          <a:solidFill>
+                            <a:srgbClr val="FF0000"/>
+                          </a:solidFill>
+                          <a:latin typeface="Malgun Gothic"/>
+                          <a:ea typeface="Malgun Gothic"/>
+                          <a:cs typeface="Malgun Gothic"/>
+                          <a:sym typeface="Malgun Gothic"/>
+                        </a:rPr>
+                        <a:t>사운드</a:t>
+                      </a:r>
+                      <a:endParaRPr sz="1800" b="1" dirty="0">
+                        <a:solidFill>
+                          <a:srgbClr val="FF0000"/>
+                        </a:solidFill>
                         <a:latin typeface="Malgun Gothic"/>
                         <a:ea typeface="Malgun Gothic"/>
                         <a:cs typeface="Malgun Gothic"/>
